--- a/banshee3d/EngineStructure.pptx
+++ b/banshee3d/EngineStructure.pptx
@@ -104,6 +104,11 @@
       </a:defRPr>
     </a:lvl9pPr>
   </p:defaultTextStyle>
+  <p:extLst>
+    <p:ext uri="{EFAFB233-063F-42B5-8137-9DF3F51BA10A}">
+      <p15:sldGuideLst xmlns:p15="http://schemas.microsoft.com/office/powerpoint/2012/main"/>
+    </p:ext>
+  </p:extLst>
 </p:presentation>
 </file>
 
@@ -2974,8 +2979,8 @@
         </p:nvSpPr>
         <p:spPr>
           <a:xfrm>
-            <a:off x="3248023" y="952500"/>
-            <a:ext cx="1209675" cy="819150"/>
+            <a:off x="1995486" y="2571750"/>
+            <a:ext cx="1676402" cy="609600"/>
           </a:xfrm>
           <a:prstGeom prst="rect">
             <a:avLst/>
@@ -3000,7 +3005,107 @@
           <a:lstStyle/>
           <a:p>
             <a:pPr algn="ctr"/>
-            <a:endParaRPr lang="zh-CN" altLang="en-US" dirty="0"/>
+            <a:r>
+              <a:rPr lang="en-US" altLang="zh-CN" sz="1200" dirty="0" err="1" smtClean="0">
+                <a:latin typeface="+mn-ea"/>
+              </a:rPr>
+              <a:t>SceneObject</a:t>
+            </a:r>
+            <a:endParaRPr lang="zh-CN" altLang="en-US" sz="1200" dirty="0">
+              <a:latin typeface="+mn-ea"/>
+            </a:endParaRPr>
+          </a:p>
+        </p:txBody>
+      </p:sp>
+      <p:sp>
+        <p:nvSpPr>
+          <p:cNvPr id="2" name="矩形 1"/>
+          <p:cNvSpPr/>
+          <p:nvPr/>
+        </p:nvSpPr>
+        <p:spPr>
+          <a:xfrm>
+            <a:off x="3467100" y="990600"/>
+            <a:ext cx="1647825" cy="571500"/>
+          </a:xfrm>
+          <a:prstGeom prst="rect">
+            <a:avLst/>
+          </a:prstGeom>
+        </p:spPr>
+        <p:style>
+          <a:lnRef idx="1">
+            <a:schemeClr val="accent3"/>
+          </a:lnRef>
+          <a:fillRef idx="2">
+            <a:schemeClr val="accent3"/>
+          </a:fillRef>
+          <a:effectRef idx="1">
+            <a:schemeClr val="accent3"/>
+          </a:effectRef>
+          <a:fontRef idx="minor">
+            <a:schemeClr val="dk1"/>
+          </a:fontRef>
+        </p:style>
+        <p:txBody>
+          <a:bodyPr rtlCol="0" anchor="ctr"/>
+          <a:lstStyle/>
+          <a:p>
+            <a:pPr algn="ctr"/>
+            <a:r>
+              <a:rPr lang="en-US" altLang="zh-CN" sz="1200" dirty="0" err="1" smtClean="0">
+                <a:latin typeface="+mn-ea"/>
+              </a:rPr>
+              <a:t>GameObject</a:t>
+            </a:r>
+            <a:endParaRPr lang="zh-CN" altLang="en-US" sz="1200" dirty="0">
+              <a:latin typeface="+mn-ea"/>
+            </a:endParaRPr>
+          </a:p>
+        </p:txBody>
+      </p:sp>
+      <p:sp>
+        <p:nvSpPr>
+          <p:cNvPr id="3" name="矩形 2"/>
+          <p:cNvSpPr/>
+          <p:nvPr/>
+        </p:nvSpPr>
+        <p:spPr>
+          <a:xfrm>
+            <a:off x="1924049" y="3438525"/>
+            <a:ext cx="1819275" cy="571500"/>
+          </a:xfrm>
+          <a:prstGeom prst="rect">
+            <a:avLst/>
+          </a:prstGeom>
+        </p:spPr>
+        <p:style>
+          <a:lnRef idx="1">
+            <a:schemeClr val="accent3"/>
+          </a:lnRef>
+          <a:fillRef idx="2">
+            <a:schemeClr val="accent3"/>
+          </a:fillRef>
+          <a:effectRef idx="1">
+            <a:schemeClr val="accent3"/>
+          </a:effectRef>
+          <a:fontRef idx="minor">
+            <a:schemeClr val="dk1"/>
+          </a:fontRef>
+        </p:style>
+        <p:txBody>
+          <a:bodyPr rtlCol="0" anchor="ctr"/>
+          <a:lstStyle/>
+          <a:p>
+            <a:pPr algn="ctr"/>
+            <a:r>
+              <a:rPr lang="en-US" altLang="zh-CN" sz="1200" dirty="0" smtClean="0">
+                <a:latin typeface="+mn-ea"/>
+              </a:rPr>
+              <a:t>Component</a:t>
+            </a:r>
+            <a:endParaRPr lang="zh-CN" altLang="en-US" sz="1200" dirty="0">
+              <a:latin typeface="+mn-ea"/>
+            </a:endParaRPr>
           </a:p>
         </p:txBody>
       </p:sp>
